--- a/7semester/bzhd/praxis/1.pptx
+++ b/7semester/bzhd/praxis/1.pptx
@@ -275,7 +275,7 @@
       </p:grpSpPr>
       <p:sp>
         <p:nvSpPr>
-          <p:cNvPr id="1600226557" name="Google Shape;3;n"/>
+          <p:cNvPr id="1551689371" name="Google Shape;3;n"/>
           <p:cNvSpPr>
             <a:spLocks noChangeAspect="1" noGrp="1" noRot="1"/>
           </p:cNvSpPr>
@@ -326,7 +326,7 @@
       </p:sp>
       <p:sp>
         <p:nvSpPr>
-          <p:cNvPr id="1503919815" name="Google Shape;4;n"/>
+          <p:cNvPr id="940219938" name="Google Shape;4;n"/>
           <p:cNvSpPr txBox="1">
             <a:spLocks noGrp="1"/>
           </p:cNvSpPr>
@@ -705,7 +705,7 @@
       </p:grpSpPr>
       <p:sp>
         <p:nvSpPr>
-          <p:cNvPr id="165647566" name="Google Shape;24;gc4718ee165_0_36:notes"/>
+          <p:cNvPr id="1549625922" name="Google Shape;24;gc4718ee165_0_36:notes"/>
           <p:cNvSpPr>
             <a:spLocks noChangeAspect="1" noGrp="1" noRot="1"/>
           </p:cNvSpPr>
@@ -746,7 +746,7 @@
       </p:sp>
       <p:sp>
         <p:nvSpPr>
-          <p:cNvPr id="657869819" name="Google Shape;25;gc4718ee165_0_36:notes"/>
+          <p:cNvPr id="758637010" name="Google Shape;25;gc4718ee165_0_36:notes"/>
           <p:cNvSpPr txBox="1">
             <a:spLocks noGrp="1"/>
           </p:cNvSpPr>
@@ -817,7 +817,7 @@
       </p:grpSpPr>
       <p:sp>
         <p:nvSpPr>
-          <p:cNvPr id="1497361026" name="Rectangle 8"/>
+          <p:cNvPr id="1724891947" name="Rectangle 8"/>
           <p:cNvSpPr>
             <a:spLocks noChangeArrowheads="1" noGrp="1"/>
           </p:cNvSpPr>
@@ -1217,7 +1217,7 @@
       </p:sp>
       <p:sp>
         <p:nvSpPr>
-          <p:cNvPr id="26061588" name="Rectangle 1"/>
+          <p:cNvPr id="1593342980" name="Rectangle 1"/>
           <p:cNvSpPr>
             <a:spLocks noChangeArrowheads="1" noChangeAspect="1" noGrp="1" noRot="1" noTextEdit="1"/>
           </p:cNvSpPr>
@@ -1240,7 +1240,7 @@
       </p:sp>
       <p:sp>
         <p:nvSpPr>
-          <p:cNvPr id="564755541" name="Rectangle 2"/>
+          <p:cNvPr id="269888073" name="Rectangle 2"/>
           <p:cNvSpPr>
             <a:spLocks noChangeArrowheads="1" noGrp="1"/>
           </p:cNvSpPr>
@@ -1298,7 +1298,7 @@
       </p:grpSpPr>
       <p:sp>
         <p:nvSpPr>
-          <p:cNvPr id="403555055" name="Google Shape;31;ga236f8d042_0_0:notes"/>
+          <p:cNvPr id="2067238051" name="Google Shape;31;ga236f8d042_0_0:notes"/>
           <p:cNvSpPr>
             <a:spLocks noChangeAspect="1" noGrp="1" noRot="1"/>
           </p:cNvSpPr>
@@ -1339,7 +1339,7 @@
       </p:sp>
       <p:sp>
         <p:nvSpPr>
-          <p:cNvPr id="1001449225" name="Google Shape;32;ga236f8d042_0_0:notes"/>
+          <p:cNvPr id="530489311" name="Google Shape;32;ga236f8d042_0_0:notes"/>
           <p:cNvSpPr txBox="1">
             <a:spLocks noGrp="1"/>
           </p:cNvSpPr>
@@ -1403,7 +1403,7 @@
       </p:grpSpPr>
       <p:sp>
         <p:nvSpPr>
-          <p:cNvPr id="1215664417" name="Google Shape;31;ga236f8d042_0_0:notes"/>
+          <p:cNvPr id="686169416" name="Google Shape;31;ga236f8d042_0_0:notes"/>
           <p:cNvSpPr>
             <a:spLocks noChangeAspect="1" noGrp="1" noRot="1"/>
           </p:cNvSpPr>
@@ -1444,7 +1444,7 @@
       </p:sp>
       <p:sp>
         <p:nvSpPr>
-          <p:cNvPr id="2136112629" name="Google Shape;32;ga236f8d042_0_0:notes"/>
+          <p:cNvPr id="1993552201" name="Google Shape;32;ga236f8d042_0_0:notes"/>
           <p:cNvSpPr txBox="1">
             <a:spLocks noGrp="1"/>
           </p:cNvSpPr>
@@ -1508,7 +1508,7 @@
       </p:grpSpPr>
       <p:sp>
         <p:nvSpPr>
-          <p:cNvPr id="2030183519" name="Google Shape;31;ga236f8d042_0_0:notes"/>
+          <p:cNvPr id="1464168237" name="Google Shape;31;ga236f8d042_0_0:notes"/>
           <p:cNvSpPr>
             <a:spLocks noChangeAspect="1" noGrp="1" noRot="1"/>
           </p:cNvSpPr>
@@ -1549,7 +1549,7 @@
       </p:sp>
       <p:sp>
         <p:nvSpPr>
-          <p:cNvPr id="85544682" name="Google Shape;32;ga236f8d042_0_0:notes"/>
+          <p:cNvPr id="797428960" name="Google Shape;32;ga236f8d042_0_0:notes"/>
           <p:cNvSpPr txBox="1">
             <a:spLocks noGrp="1"/>
           </p:cNvSpPr>
@@ -1613,7 +1613,7 @@
       </p:grpSpPr>
       <p:sp>
         <p:nvSpPr>
-          <p:cNvPr id="1006675776" name="Google Shape;31;ga236f8d042_0_0:notes"/>
+          <p:cNvPr id="1152458074" name="Google Shape;31;ga236f8d042_0_0:notes"/>
           <p:cNvSpPr>
             <a:spLocks noChangeAspect="1" noGrp="1" noRot="1"/>
           </p:cNvSpPr>
@@ -1654,7 +1654,7 @@
       </p:sp>
       <p:sp>
         <p:nvSpPr>
-          <p:cNvPr id="551221815" name="Google Shape;32;ga236f8d042_0_0:notes"/>
+          <p:cNvPr id="957258891" name="Google Shape;32;ga236f8d042_0_0:notes"/>
           <p:cNvSpPr txBox="1">
             <a:spLocks noGrp="1"/>
           </p:cNvSpPr>
@@ -1718,7 +1718,7 @@
       </p:grpSpPr>
       <p:sp>
         <p:nvSpPr>
-          <p:cNvPr id="1742586117" name="Google Shape;31;ga236f8d042_0_0:notes"/>
+          <p:cNvPr id="402983658" name="Google Shape;31;ga236f8d042_0_0:notes"/>
           <p:cNvSpPr>
             <a:spLocks noChangeAspect="1" noGrp="1" noRot="1"/>
           </p:cNvSpPr>
@@ -1759,7 +1759,7 @@
       </p:sp>
       <p:sp>
         <p:nvSpPr>
-          <p:cNvPr id="327405719" name="Google Shape;32;ga236f8d042_0_0:notes"/>
+          <p:cNvPr id="465336451" name="Google Shape;32;ga236f8d042_0_0:notes"/>
           <p:cNvSpPr txBox="1">
             <a:spLocks noGrp="1"/>
           </p:cNvSpPr>
@@ -1823,7 +1823,7 @@
       </p:grpSpPr>
       <p:sp>
         <p:nvSpPr>
-          <p:cNvPr id="2058831836" name="Google Shape;31;ga236f8d042_0_0:notes"/>
+          <p:cNvPr id="110025515" name="Google Shape;31;ga236f8d042_0_0:notes"/>
           <p:cNvSpPr>
             <a:spLocks noChangeAspect="1" noGrp="1" noRot="1"/>
           </p:cNvSpPr>
@@ -1864,7 +1864,7 @@
       </p:sp>
       <p:sp>
         <p:nvSpPr>
-          <p:cNvPr id="682313461" name="Google Shape;32;ga236f8d042_0_0:notes"/>
+          <p:cNvPr id="947752169" name="Google Shape;32;ga236f8d042_0_0:notes"/>
           <p:cNvSpPr txBox="1">
             <a:spLocks noGrp="1"/>
           </p:cNvSpPr>
@@ -1928,7 +1928,7 @@
       </p:grpSpPr>
       <p:sp>
         <p:nvSpPr>
-          <p:cNvPr id="1758616071" name="Google Shape;24;gc4718ee165_0_36:notes"/>
+          <p:cNvPr id="555674047" name="Google Shape;24;gc4718ee165_0_36:notes"/>
           <p:cNvSpPr>
             <a:spLocks noChangeAspect="1" noGrp="1" noRot="1"/>
           </p:cNvSpPr>
@@ -1969,7 +1969,7 @@
       </p:sp>
       <p:sp>
         <p:nvSpPr>
-          <p:cNvPr id="168208524" name="Google Shape;25;gc4718ee165_0_36:notes"/>
+          <p:cNvPr id="821010342" name="Google Shape;25;gc4718ee165_0_36:notes"/>
           <p:cNvSpPr txBox="1">
             <a:spLocks noGrp="1"/>
           </p:cNvSpPr>
@@ -2033,7 +2033,7 @@
       </p:grpSpPr>
       <p:sp>
         <p:nvSpPr>
-          <p:cNvPr id="839791815" name="Google Shape;31;ga236f8d042_0_0:notes"/>
+          <p:cNvPr id="1908216242" name="Google Shape;31;ga236f8d042_0_0:notes"/>
           <p:cNvSpPr>
             <a:spLocks noChangeAspect="1" noGrp="1" noRot="1"/>
           </p:cNvSpPr>
@@ -2074,7 +2074,7 @@
       </p:sp>
       <p:sp>
         <p:nvSpPr>
-          <p:cNvPr id="991624498" name="Google Shape;32;ga236f8d042_0_0:notes"/>
+          <p:cNvPr id="2102837024" name="Google Shape;32;ga236f8d042_0_0:notes"/>
           <p:cNvSpPr txBox="1">
             <a:spLocks noGrp="1"/>
           </p:cNvSpPr>
@@ -2138,7 +2138,7 @@
       </p:grpSpPr>
       <p:sp>
         <p:nvSpPr>
-          <p:cNvPr id="1395158916" name="Google Shape;31;ga236f8d042_0_0:notes"/>
+          <p:cNvPr id="529486941" name="Google Shape;31;ga236f8d042_0_0:notes"/>
           <p:cNvSpPr>
             <a:spLocks noChangeAspect="1" noGrp="1" noRot="1"/>
           </p:cNvSpPr>
@@ -2179,7 +2179,7 @@
       </p:sp>
       <p:sp>
         <p:nvSpPr>
-          <p:cNvPr id="613699662" name="Google Shape;32;ga236f8d042_0_0:notes"/>
+          <p:cNvPr id="1484032491" name="Google Shape;32;ga236f8d042_0_0:notes"/>
           <p:cNvSpPr txBox="1">
             <a:spLocks noGrp="1"/>
           </p:cNvSpPr>
@@ -2243,7 +2243,7 @@
       </p:grpSpPr>
       <p:sp>
         <p:nvSpPr>
-          <p:cNvPr id="135545115" name="Google Shape;31;ga236f8d042_0_0:notes"/>
+          <p:cNvPr id="787913186" name="Google Shape;31;ga236f8d042_0_0:notes"/>
           <p:cNvSpPr>
             <a:spLocks noChangeAspect="1" noGrp="1" noRot="1"/>
           </p:cNvSpPr>
@@ -2284,7 +2284,7 @@
       </p:sp>
       <p:sp>
         <p:nvSpPr>
-          <p:cNvPr id="1175045877" name="Google Shape;32;ga236f8d042_0_0:notes"/>
+          <p:cNvPr id="342627519" name="Google Shape;32;ga236f8d042_0_0:notes"/>
           <p:cNvSpPr txBox="1">
             <a:spLocks noGrp="1"/>
           </p:cNvSpPr>
@@ -2348,7 +2348,7 @@
       </p:grpSpPr>
       <p:sp>
         <p:nvSpPr>
-          <p:cNvPr id="2075079437" name="Google Shape;31;ga236f8d042_0_0:notes"/>
+          <p:cNvPr id="1546687240" name="Google Shape;31;ga236f8d042_0_0:notes"/>
           <p:cNvSpPr>
             <a:spLocks noChangeAspect="1" noGrp="1" noRot="1"/>
           </p:cNvSpPr>
@@ -2389,7 +2389,7 @@
       </p:sp>
       <p:sp>
         <p:nvSpPr>
-          <p:cNvPr id="1721755294" name="Google Shape;32;ga236f8d042_0_0:notes"/>
+          <p:cNvPr id="1905740083" name="Google Shape;32;ga236f8d042_0_0:notes"/>
           <p:cNvSpPr txBox="1">
             <a:spLocks noGrp="1"/>
           </p:cNvSpPr>
@@ -2453,7 +2453,7 @@
       </p:grpSpPr>
       <p:sp>
         <p:nvSpPr>
-          <p:cNvPr id="1084101904" name="Google Shape;31;ga236f8d042_0_0:notes"/>
+          <p:cNvPr id="653523267" name="Google Shape;31;ga236f8d042_0_0:notes"/>
           <p:cNvSpPr>
             <a:spLocks noChangeAspect="1" noGrp="1" noRot="1"/>
           </p:cNvSpPr>
@@ -2494,7 +2494,7 @@
       </p:sp>
       <p:sp>
         <p:nvSpPr>
-          <p:cNvPr id="368946943" name="Google Shape;32;ga236f8d042_0_0:notes"/>
+          <p:cNvPr id="830072547" name="Google Shape;32;ga236f8d042_0_0:notes"/>
           <p:cNvSpPr txBox="1">
             <a:spLocks noGrp="1"/>
           </p:cNvSpPr>
@@ -2558,7 +2558,7 @@
       </p:grpSpPr>
       <p:sp>
         <p:nvSpPr>
-          <p:cNvPr id="174364303" name="Google Shape;31;ga236f8d042_0_0:notes"/>
+          <p:cNvPr id="1142454769" name="Google Shape;31;ga236f8d042_0_0:notes"/>
           <p:cNvSpPr>
             <a:spLocks noChangeAspect="1" noGrp="1" noRot="1"/>
           </p:cNvSpPr>
@@ -2599,7 +2599,7 @@
       </p:sp>
       <p:sp>
         <p:nvSpPr>
-          <p:cNvPr id="713119878" name="Google Shape;32;ga236f8d042_0_0:notes"/>
+          <p:cNvPr id="2088002563" name="Google Shape;32;ga236f8d042_0_0:notes"/>
           <p:cNvSpPr txBox="1">
             <a:spLocks noGrp="1"/>
           </p:cNvSpPr>
@@ -2663,7 +2663,7 @@
       </p:grpSpPr>
       <p:sp>
         <p:nvSpPr>
-          <p:cNvPr id="450923205" name="Google Shape;31;ga236f8d042_0_0:notes"/>
+          <p:cNvPr id="124099488" name="Google Shape;31;ga236f8d042_0_0:notes"/>
           <p:cNvSpPr>
             <a:spLocks noChangeAspect="1" noGrp="1" noRot="1"/>
           </p:cNvSpPr>
@@ -2704,7 +2704,7 @@
       </p:sp>
       <p:sp>
         <p:nvSpPr>
-          <p:cNvPr id="2098389552" name="Google Shape;32;ga236f8d042_0_0:notes"/>
+          <p:cNvPr id="291010725" name="Google Shape;32;ga236f8d042_0_0:notes"/>
           <p:cNvSpPr txBox="1">
             <a:spLocks noGrp="1"/>
           </p:cNvSpPr>
@@ -2768,7 +2768,7 @@
       </p:grpSpPr>
       <p:sp>
         <p:nvSpPr>
-          <p:cNvPr id="125600562" name="Google Shape;31;ga236f8d042_0_0:notes"/>
+          <p:cNvPr id="501611602" name="Google Shape;31;ga236f8d042_0_0:notes"/>
           <p:cNvSpPr>
             <a:spLocks noChangeAspect="1" noGrp="1" noRot="1"/>
           </p:cNvSpPr>
@@ -2809,7 +2809,7 @@
       </p:sp>
       <p:sp>
         <p:nvSpPr>
-          <p:cNvPr id="483340052" name="Google Shape;32;ga236f8d042_0_0:notes"/>
+          <p:cNvPr id="1676381016" name="Google Shape;32;ga236f8d042_0_0:notes"/>
           <p:cNvSpPr txBox="1">
             <a:spLocks noGrp="1"/>
           </p:cNvSpPr>
@@ -2888,7 +2888,7 @@
       </p:grpSpPr>
       <p:pic>
         <p:nvPicPr>
-          <p:cNvPr id="954340178" name="Google Shape;12;p2"/>
+          <p:cNvPr id="1798448863" name="Google Shape;12;p2"/>
           <p:cNvPicPr/>
           <p:nvPr/>
         </p:nvPicPr>
@@ -2913,7 +2913,7 @@
       </p:pic>
       <p:sp>
         <p:nvSpPr>
-          <p:cNvPr id="327498898" name="Google Shape;13;p2"/>
+          <p:cNvPr id="1611633186" name="Google Shape;13;p2"/>
           <p:cNvSpPr txBox="1">
             <a:spLocks noGrp="1"/>
           </p:cNvSpPr>
@@ -3108,7 +3108,7 @@
       </p:sp>
       <p:sp>
         <p:nvSpPr>
-          <p:cNvPr id="309950851" name="Google Shape;14;p2"/>
+          <p:cNvPr id="1372512787" name="Google Shape;14;p2"/>
           <p:cNvSpPr txBox="1">
             <a:spLocks noGrp="1"/>
           </p:cNvSpPr>
@@ -3323,7 +3323,7 @@
       </p:sp>
       <p:pic>
         <p:nvPicPr>
-          <p:cNvPr id="1905715799" name="Google Shape;15;p2" descr="Image"/>
+          <p:cNvPr id="1801851904" name="Google Shape;15;p2" descr="Image"/>
           <p:cNvPicPr/>
           <p:nvPr/>
         </p:nvPicPr>
@@ -3347,7 +3347,7 @@
       </p:pic>
       <p:sp>
         <p:nvSpPr>
-          <p:cNvPr id="1086541354" name="Google Shape;16;p2"/>
+          <p:cNvPr id="218853555" name="Google Shape;16;p2"/>
           <p:cNvSpPr txBox="1">
             <a:spLocks noGrp="1"/>
           </p:cNvSpPr>
@@ -3622,7 +3622,7 @@
       </p:grpSpPr>
       <p:sp>
         <p:nvSpPr>
-          <p:cNvPr id="2024631805" name="Google Shape;18;p3"/>
+          <p:cNvPr id="1946391170" name="Google Shape;18;p3"/>
           <p:cNvSpPr txBox="1">
             <a:spLocks noGrp="1"/>
           </p:cNvSpPr>
@@ -3813,7 +3813,7 @@
       </p:sp>
       <p:sp>
         <p:nvSpPr>
-          <p:cNvPr id="2101369257" name="Google Shape;19;p3"/>
+          <p:cNvPr id="1402057267" name="Google Shape;19;p3"/>
           <p:cNvSpPr txBox="1">
             <a:spLocks noGrp="1"/>
           </p:cNvSpPr>
@@ -4063,7 +4063,7 @@
       </p:sp>
       <p:sp>
         <p:nvSpPr>
-          <p:cNvPr id="1652877344" name="Google Shape;20;p3"/>
+          <p:cNvPr id="1493337184" name="Google Shape;20;p3"/>
           <p:cNvSpPr txBox="1">
             <a:spLocks noGrp="1"/>
           </p:cNvSpPr>
@@ -4278,7 +4278,7 @@
       </p:grpSpPr>
       <p:sp>
         <p:nvSpPr>
-          <p:cNvPr id="174127653" name="Google Shape;22;p4"/>
+          <p:cNvPr id="425824142" name="Google Shape;22;p4"/>
           <p:cNvSpPr txBox="1">
             <a:spLocks noGrp="1"/>
           </p:cNvSpPr>
@@ -4553,7 +4553,7 @@
       </p:grpSpPr>
       <p:sp>
         <p:nvSpPr>
-          <p:cNvPr id="940682632" name="Rectangle 5"/>
+          <p:cNvPr id="1283812321" name="Rectangle 5"/>
           <p:cNvSpPr>
             <a:spLocks noChangeArrowheads="1" noGrp="1"/>
           </p:cNvSpPr>
@@ -4615,7 +4615,7 @@
       </p:grpSpPr>
       <p:pic>
         <p:nvPicPr>
-          <p:cNvPr id="394124478" name="Google Shape;6;p1"/>
+          <p:cNvPr id="585090938" name="Google Shape;6;p1"/>
           <p:cNvPicPr/>
           <p:nvPr/>
         </p:nvPicPr>
@@ -4640,7 +4640,7 @@
       </p:pic>
       <p:sp>
         <p:nvSpPr>
-          <p:cNvPr id="1752462001" name="Google Shape;7;p1"/>
+          <p:cNvPr id="529694911" name="Google Shape;7;p1"/>
           <p:cNvSpPr txBox="1">
             <a:spLocks noGrp="1"/>
           </p:cNvSpPr>
@@ -4902,7 +4902,7 @@
       </p:sp>
       <p:pic>
         <p:nvPicPr>
-          <p:cNvPr id="417314668" name="Google Shape;8;p1" descr="Image"/>
+          <p:cNvPr id="917879678" name="Google Shape;8;p1" descr="Image"/>
           <p:cNvPicPr/>
           <p:nvPr/>
         </p:nvPicPr>
@@ -4926,7 +4926,7 @@
       </p:pic>
       <p:sp>
         <p:nvSpPr>
-          <p:cNvPr id="1382675366" name="Google Shape;9;p1"/>
+          <p:cNvPr id="669778361" name="Google Shape;9;p1"/>
           <p:cNvSpPr txBox="1">
             <a:spLocks noGrp="1"/>
           </p:cNvSpPr>
@@ -5188,7 +5188,7 @@
       </p:sp>
       <p:sp>
         <p:nvSpPr>
-          <p:cNvPr id="835164107" name="Google Shape;10;p1"/>
+          <p:cNvPr id="1857005157" name="Google Shape;10;p1"/>
           <p:cNvSpPr txBox="1">
             <a:spLocks noGrp="1"/>
           </p:cNvSpPr>
@@ -6130,7 +6130,7 @@
       </p:grpSpPr>
       <p:sp>
         <p:nvSpPr>
-          <p:cNvPr id="1910427624" name="Google Shape;29;p5"/>
+          <p:cNvPr id="2099516672" name="Google Shape;29;p5"/>
           <p:cNvSpPr txBox="1">
             <a:spLocks noGrp="1"/>
           </p:cNvSpPr>
@@ -6182,7 +6182,7 @@
       </p:sp>
       <p:sp>
         <p:nvSpPr>
-          <p:cNvPr id="478694025" name="Текст 5"/>
+          <p:cNvPr id="1573883282" name="Текст 5"/>
           <p:cNvSpPr txBox="1"/>
           <p:nvPr/>
         </p:nvSpPr>
@@ -6411,7 +6411,7 @@
       </p:sp>
       <p:sp>
         <p:nvSpPr>
-          <p:cNvPr id="771329288" name="Текст 5"/>
+          <p:cNvPr id="1837915059" name="Текст 5"/>
           <p:cNvSpPr txBox="1"/>
           <p:nvPr/>
         </p:nvSpPr>
@@ -6614,7 +6614,7 @@
       </p:sp>
       <p:sp>
         <p:nvSpPr>
-          <p:cNvPr id="906892496" name="Текст 5"/>
+          <p:cNvPr id="1436777115" name="Текст 5"/>
           <p:cNvSpPr txBox="1"/>
           <p:nvPr/>
         </p:nvSpPr>
@@ -6827,7 +6827,7 @@
       </p:sp>
       <p:sp>
         <p:nvSpPr>
-          <p:cNvPr id="1273609232" name="TextBox 1"/>
+          <p:cNvPr id="409326418" name="TextBox 1"/>
           <p:cNvSpPr txBox="1">
             <a:spLocks noChangeArrowheads="1"/>
           </p:cNvSpPr>
@@ -7042,7 +7042,7 @@
       </p:sp>
       <p:sp>
         <p:nvSpPr>
-          <p:cNvPr id="2020502586" name="Текст 5"/>
+          <p:cNvPr id="710385695" name="Текст 5"/>
           <p:cNvSpPr txBox="1"/>
           <p:nvPr/>
         </p:nvSpPr>
@@ -7287,7 +7287,7 @@
       </p:sp>
       <p:sp>
         <p:nvSpPr>
-          <p:cNvPr id="336378577" name="Текст 5"/>
+          <p:cNvPr id="404018977" name="Текст 5"/>
           <p:cNvSpPr txBox="1"/>
           <p:nvPr/>
         </p:nvSpPr>
@@ -7537,7 +7537,7 @@
       </p:grpSpPr>
       <p:sp>
         <p:nvSpPr>
-          <p:cNvPr id="1052717426" name="Rectangle 1"/>
+          <p:cNvPr id="490811271" name="Rectangle 1"/>
           <p:cNvSpPr>
             <a:spLocks noChangeArrowheads="1"/>
           </p:cNvSpPr>
@@ -7576,7 +7576,7 @@
       </p:sp>
       <p:sp>
         <p:nvSpPr>
-          <p:cNvPr id="2074961823" name="Rectangle 2"/>
+          <p:cNvPr id="633248357" name="Rectangle 2"/>
           <p:cNvSpPr>
             <a:spLocks noChangeArrowheads="1"/>
           </p:cNvSpPr>
@@ -7615,7 +7615,7 @@
       </p:sp>
       <p:sp>
         <p:nvSpPr>
-          <p:cNvPr id="1123026583" name="Прямоугольник 2"/>
+          <p:cNvPr id="120341657" name="Прямоугольник 2"/>
           <p:cNvSpPr/>
           <p:nvPr/>
         </p:nvSpPr>
@@ -7678,7 +7678,7 @@
       </p:sp>
       <p:sp>
         <p:nvSpPr>
-          <p:cNvPr id="1566008170" name="Text Box 5"/>
+          <p:cNvPr id="992409372" name="Text Box 5"/>
           <p:cNvSpPr txBox="1">
             <a:spLocks noChangeArrowheads="1"/>
           </p:cNvSpPr>
@@ -8086,7 +8086,7 @@
       </p:sp>
       <p:sp>
         <p:nvSpPr>
-          <p:cNvPr id="185403402" name="Text Box 12"/>
+          <p:cNvPr id="1103713462" name="Text Box 12"/>
           <p:cNvSpPr txBox="1">
             <a:spLocks noChangeArrowheads="1"/>
           </p:cNvSpPr>
@@ -8512,7 +8512,7 @@
       </p:sp>
       <p:pic>
         <p:nvPicPr>
-          <p:cNvPr id="1437410118" name="Рисунок 6" descr="Изображение выглядит как карта, диаграмма, текст, План&#10;&#10;Содержимое, созданное искусственным интеллектом, может быть неверным."/>
+          <p:cNvPr id="141382191" name=""/>
           <p:cNvPicPr>
             <a:picLocks noChangeAspect="1"/>
           </p:cNvPicPr>
@@ -8523,9 +8523,9 @@
           <a:stretch/>
         </p:blipFill>
         <p:spPr bwMode="auto">
-          <a:xfrm>
-            <a:off x="918095" y="749128"/>
-            <a:ext cx="2403721" cy="3907825"/>
+          <a:xfrm flipH="0" flipV="0">
+            <a:off x="1487156" y="1047580"/>
+            <a:ext cx="3943717" cy="3684441"/>
           </a:xfrm>
           <a:prstGeom prst="rect">
             <a:avLst/>
@@ -8534,7 +8534,7 @@
       </p:pic>
       <p:pic>
         <p:nvPicPr>
-          <p:cNvPr id="106496211" name="Рисунок 7" descr="Изображение выглядит как диаграмма, зарисовка, карта, текст&#10;&#10;Содержимое, созданное искусственным интеллектом, может быть неверным."/>
+          <p:cNvPr id="323388536" name=""/>
           <p:cNvPicPr>
             <a:picLocks noChangeAspect="1"/>
           </p:cNvPicPr>
@@ -8545,9 +8545,9 @@
           <a:stretch/>
         </p:blipFill>
         <p:spPr bwMode="auto">
-          <a:xfrm>
-            <a:off x="3594786" y="1023422"/>
-            <a:ext cx="4533900" cy="2447925"/>
+          <a:xfrm flipH="0" flipV="0">
+            <a:off x="3655818" y="1996620"/>
+            <a:ext cx="988431" cy="988431"/>
           </a:xfrm>
           <a:prstGeom prst="rect">
             <a:avLst/>
@@ -8589,7 +8589,7 @@
       </p:grpSpPr>
       <p:sp>
         <p:nvSpPr>
-          <p:cNvPr id="1786949085" name="Google Shape;35;p6"/>
+          <p:cNvPr id="161840326" name="Google Shape;35;p6"/>
           <p:cNvSpPr txBox="1">
             <a:spLocks noGrp="1"/>
           </p:cNvSpPr>
@@ -8641,7 +8641,7 @@
       </p:sp>
       <p:sp>
         <p:nvSpPr>
-          <p:cNvPr id="1001873755" name="Google Shape;34;p6"/>
+          <p:cNvPr id="1248227912" name="Google Shape;34;p6"/>
           <p:cNvSpPr txBox="1">
             <a:spLocks noGrp="1"/>
           </p:cNvSpPr>
@@ -8684,7 +8684,7 @@
       </p:sp>
       <p:pic>
         <p:nvPicPr>
-          <p:cNvPr id="2095336128" name="Рисунок 2" descr="Изображение выглядит как текст, снимок экрана, Шрифт, линия&#10;&#10;Содержимое, созданное искусственным интеллектом, может быть неверным."/>
+          <p:cNvPr id="263228967" name="Рисунок 2" descr="Изображение выглядит как текст, снимок экрана, Шрифт, линия&#10;&#10;Содержимое, созданное искусственным интеллектом, может быть неверным."/>
           <p:cNvPicPr>
             <a:picLocks noChangeAspect="1"/>
           </p:cNvPicPr>
@@ -8706,7 +8706,7 @@
       </p:pic>
       <p:sp>
         <p:nvSpPr>
-          <p:cNvPr id="721771502" name="TextBox 6"/>
+          <p:cNvPr id="1228288055" name="TextBox 6"/>
           <p:cNvSpPr txBox="1"/>
           <p:nvPr/>
         </p:nvSpPr>
@@ -8748,7 +8748,7 @@
       </p:sp>
       <p:sp>
         <p:nvSpPr>
-          <p:cNvPr id="249335373" name="TextBox 1"/>
+          <p:cNvPr id="1934729579" name="TextBox 1"/>
           <p:cNvSpPr txBox="1"/>
           <p:nvPr/>
         </p:nvSpPr>
@@ -8790,7 +8790,7 @@
       </p:sp>
       <p:pic>
         <p:nvPicPr>
-          <p:cNvPr id="892376296" name=""/>
+          <p:cNvPr id="357142979" name=""/>
           <p:cNvPicPr>
             <a:picLocks noChangeAspect="1"/>
           </p:cNvPicPr>
@@ -8812,7 +8812,7 @@
       </p:pic>
       <p:sp>
         <p:nvSpPr>
-          <p:cNvPr id="2050691206" name=""/>
+          <p:cNvPr id="2038969904" name=""/>
           <p:cNvSpPr txBox="1"/>
           <p:nvPr/>
         </p:nvSpPr>
@@ -8888,7 +8888,7 @@
       </p:grpSpPr>
       <p:sp>
         <p:nvSpPr>
-          <p:cNvPr id="849726580" name="Google Shape;35;p6"/>
+          <p:cNvPr id="1071925038" name="Google Shape;35;p6"/>
           <p:cNvSpPr txBox="1">
             <a:spLocks noGrp="1"/>
           </p:cNvSpPr>
@@ -8940,7 +8940,7 @@
       </p:sp>
       <p:sp>
         <p:nvSpPr>
-          <p:cNvPr id="92400984" name="Google Shape;34;p6"/>
+          <p:cNvPr id="486665553" name="Google Shape;34;p6"/>
           <p:cNvSpPr txBox="1">
             <a:spLocks noGrp="1"/>
           </p:cNvSpPr>
@@ -8983,7 +8983,7 @@
       </p:sp>
       <p:pic>
         <p:nvPicPr>
-          <p:cNvPr id="1539365439" name="Изображение 1"/>
+          <p:cNvPr id="1020709302" name="Изображение 1"/>
           <p:cNvPicPr>
             <a:picLocks noChangeAspect="1"/>
           </p:cNvPicPr>
@@ -9005,7 +9005,7 @@
       </p:pic>
       <p:sp>
         <p:nvSpPr>
-          <p:cNvPr id="1029561531" name="TextBox 2"/>
+          <p:cNvPr id="1852385012" name="TextBox 2"/>
           <p:cNvSpPr txBox="1"/>
           <p:nvPr/>
         </p:nvSpPr>
@@ -9047,7 +9047,7 @@
       </p:sp>
       <p:sp>
         <p:nvSpPr>
-          <p:cNvPr id="216866700" name="TextBox 6"/>
+          <p:cNvPr id="1824921348" name="TextBox 6"/>
           <p:cNvSpPr txBox="1"/>
           <p:nvPr/>
         </p:nvSpPr>
@@ -9118,7 +9118,7 @@
       </p:grpSpPr>
       <p:sp>
         <p:nvSpPr>
-          <p:cNvPr id="1140344106" name="Google Shape;34;p6"/>
+          <p:cNvPr id="1073831740" name="Google Shape;34;p6"/>
           <p:cNvSpPr txBox="1">
             <a:spLocks noGrp="1"/>
           </p:cNvSpPr>
@@ -9161,7 +9161,7 @@
       </p:sp>
       <p:sp>
         <p:nvSpPr>
-          <p:cNvPr id="132669436" name="Google Shape;35;p6"/>
+          <p:cNvPr id="199707790" name="Google Shape;35;p6"/>
           <p:cNvSpPr txBox="1">
             <a:spLocks noGrp="1"/>
           </p:cNvSpPr>
@@ -9213,7 +9213,7 @@
       </p:sp>
       <p:sp>
         <p:nvSpPr>
-          <p:cNvPr id="2021239689" name="TextBox 3"/>
+          <p:cNvPr id="779587209" name="TextBox 3"/>
           <p:cNvSpPr txBox="1"/>
           <p:nvPr/>
         </p:nvSpPr>
@@ -9497,7 +9497,7 @@
       </p:grpSpPr>
       <p:sp>
         <p:nvSpPr>
-          <p:cNvPr id="645672550" name="Google Shape;35;p6"/>
+          <p:cNvPr id="1147391274" name="Google Shape;35;p6"/>
           <p:cNvSpPr txBox="1">
             <a:spLocks noGrp="1"/>
           </p:cNvSpPr>
@@ -9549,7 +9549,7 @@
       </p:sp>
       <p:sp>
         <p:nvSpPr>
-          <p:cNvPr id="955118112" name="Текст 2"/>
+          <p:cNvPr id="191265683" name="Текст 2"/>
           <p:cNvSpPr>
             <a:spLocks noGrp="1"/>
           </p:cNvSpPr>
@@ -9623,7 +9623,7 @@
       </p:sp>
       <p:sp>
         <p:nvSpPr>
-          <p:cNvPr id="115205588" name="Прямоугольник 1"/>
+          <p:cNvPr id="1969778543" name="Прямоугольник 1"/>
           <p:cNvSpPr/>
           <p:nvPr/>
         </p:nvSpPr>
@@ -10889,7 +10889,7 @@
       </p:grpSpPr>
       <p:sp>
         <p:nvSpPr>
-          <p:cNvPr id="111338517" name="Google Shape;34;p6"/>
+          <p:cNvPr id="1706991349" name="Google Shape;34;p6"/>
           <p:cNvSpPr txBox="1">
             <a:spLocks noGrp="1"/>
           </p:cNvSpPr>
@@ -10932,7 +10932,7 @@
       </p:sp>
       <p:sp>
         <p:nvSpPr>
-          <p:cNvPr id="352215936" name="Google Shape;35;p6"/>
+          <p:cNvPr id="350327286" name="Google Shape;35;p6"/>
           <p:cNvSpPr txBox="1">
             <a:spLocks noGrp="1"/>
           </p:cNvSpPr>
@@ -10984,7 +10984,7 @@
       </p:sp>
       <p:sp>
         <p:nvSpPr>
-          <p:cNvPr id="1263173711" name="TextBox 1"/>
+          <p:cNvPr id="2120742703" name="TextBox 1"/>
           <p:cNvSpPr txBox="1"/>
           <p:nvPr/>
         </p:nvSpPr>
@@ -11221,7 +11221,7 @@
       </p:grpSpPr>
       <p:sp>
         <p:nvSpPr>
-          <p:cNvPr id="783708633" name="Google Shape;34;p6"/>
+          <p:cNvPr id="1106592483" name="Google Shape;34;p6"/>
           <p:cNvSpPr txBox="1">
             <a:spLocks noGrp="1"/>
           </p:cNvSpPr>
@@ -11264,7 +11264,7 @@
       </p:sp>
       <p:sp>
         <p:nvSpPr>
-          <p:cNvPr id="138292670" name="Google Shape;35;p6"/>
+          <p:cNvPr id="164054084" name="Google Shape;35;p6"/>
           <p:cNvSpPr txBox="1">
             <a:spLocks noGrp="1"/>
           </p:cNvSpPr>
@@ -11316,7 +11316,7 @@
       </p:sp>
       <p:sp>
         <p:nvSpPr>
-          <p:cNvPr id="1121294281" name="Прямоугольник 1"/>
+          <p:cNvPr id="403289603" name="Прямоугольник 1"/>
           <p:cNvSpPr/>
           <p:nvPr/>
         </p:nvSpPr>
@@ -11524,7 +11524,7 @@
       </p:grpSpPr>
       <p:sp>
         <p:nvSpPr>
-          <p:cNvPr id="2031343871" name="Google Shape;27;p5"/>
+          <p:cNvPr id="1843005935" name="Google Shape;27;p5"/>
           <p:cNvSpPr txBox="1">
             <a:spLocks noGrp="1"/>
           </p:cNvSpPr>
@@ -11580,7 +11580,7 @@
       </p:sp>
       <p:sp>
         <p:nvSpPr>
-          <p:cNvPr id="1216557358" name="Google Shape;28;p5"/>
+          <p:cNvPr id="301411122" name="Google Shape;28;p5"/>
           <p:cNvSpPr txBox="1">
             <a:spLocks noGrp="1"/>
           </p:cNvSpPr>
@@ -11623,7 +11623,7 @@
       </p:sp>
       <p:sp>
         <p:nvSpPr>
-          <p:cNvPr id="923583268" name="Google Shape;29;p5"/>
+          <p:cNvPr id="2100014281" name="Google Shape;29;p5"/>
           <p:cNvSpPr txBox="1">
             <a:spLocks noGrp="1"/>
           </p:cNvSpPr>
@@ -11712,7 +11712,7 @@
       </p:grpSpPr>
       <p:sp>
         <p:nvSpPr>
-          <p:cNvPr id="1758561727" name="Google Shape;34;p6"/>
+          <p:cNvPr id="1291279447" name="Google Shape;34;p6"/>
           <p:cNvSpPr txBox="1">
             <a:spLocks noGrp="1"/>
           </p:cNvSpPr>
@@ -11755,7 +11755,7 @@
       </p:sp>
       <p:sp>
         <p:nvSpPr>
-          <p:cNvPr id="126405572" name="Google Shape;35;p6"/>
+          <p:cNvPr id="1296981345" name="Google Shape;35;p6"/>
           <p:cNvSpPr txBox="1">
             <a:spLocks noGrp="1"/>
           </p:cNvSpPr>
@@ -11807,7 +11807,7 @@
       </p:sp>
       <p:sp>
         <p:nvSpPr>
-          <p:cNvPr id="622700825" name="Google Shape;36;p6"/>
+          <p:cNvPr id="1704573332" name="Google Shape;36;p6"/>
           <p:cNvSpPr txBox="1">
             <a:spLocks noGrp="1"/>
           </p:cNvSpPr>
@@ -12061,7 +12061,7 @@
       </p:grpSpPr>
       <p:sp>
         <p:nvSpPr>
-          <p:cNvPr id="228847930" name="Google Shape;34;p6"/>
+          <p:cNvPr id="311207358" name="Google Shape;34;p6"/>
           <p:cNvSpPr txBox="1">
             <a:spLocks noGrp="1"/>
           </p:cNvSpPr>
@@ -12104,7 +12104,7 @@
       </p:sp>
       <p:sp>
         <p:nvSpPr>
-          <p:cNvPr id="77842813" name="Google Shape;35;p6"/>
+          <p:cNvPr id="126722035" name="Google Shape;35;p6"/>
           <p:cNvSpPr txBox="1">
             <a:spLocks noGrp="1"/>
           </p:cNvSpPr>
@@ -12156,7 +12156,7 @@
       </p:sp>
       <p:sp>
         <p:nvSpPr>
-          <p:cNvPr id="635819753" name="TextBox 3"/>
+          <p:cNvPr id="815114255" name="TextBox 3"/>
           <p:cNvSpPr txBox="1"/>
           <p:nvPr/>
         </p:nvSpPr>
@@ -12327,7 +12327,7 @@
       </p:grpSpPr>
       <p:sp>
         <p:nvSpPr>
-          <p:cNvPr id="1334052740" name="Google Shape;34;p6"/>
+          <p:cNvPr id="1028408647" name="Google Shape;34;p6"/>
           <p:cNvSpPr txBox="1">
             <a:spLocks noGrp="1"/>
           </p:cNvSpPr>
@@ -12370,7 +12370,7 @@
       </p:sp>
       <p:sp>
         <p:nvSpPr>
-          <p:cNvPr id="90129912" name="Google Shape;35;p6"/>
+          <p:cNvPr id="2056639091" name="Google Shape;35;p6"/>
           <p:cNvSpPr txBox="1">
             <a:spLocks noGrp="1"/>
           </p:cNvSpPr>
@@ -12422,7 +12422,7 @@
       </p:sp>
       <p:sp>
         <p:nvSpPr>
-          <p:cNvPr id="450052554" name="Google Shape;36;p6"/>
+          <p:cNvPr id="767406504" name="Google Shape;36;p6"/>
           <p:cNvSpPr txBox="1">
             <a:spLocks noGrp="1"/>
           </p:cNvSpPr>
@@ -12604,15 +12604,15 @@
             </a:r>
             <a:r>
               <a:rPr lang="ru-RU" sz="1400" b="1" i="1"/>
-              <a:t>железобетона</a:t>
+              <a:t>кирпича</a:t>
             </a:r>
             <a:r>
               <a:rPr lang="ru-RU" sz="1400"/>
-              <a:t> с коэффициентом ослабления </a:t>
-            </a:r>
-            <a:r>
-              <a:rPr lang="en-US" sz="1400"/>
-              <a:t>	</a:t>
+              <a:t> </a:t>
+            </a:r>
+            <a:r>
+              <a:rPr lang="ru-RU" sz="1400"/>
+              <a:t>с коэффициентом ослабления </a:t>
             </a:r>
             <a:r>
               <a:rPr lang="ru-RU" sz="1400" b="1" i="1"/>
@@ -12805,7 +12805,7 @@
       </p:grpSpPr>
       <p:sp>
         <p:nvSpPr>
-          <p:cNvPr id="623819376" name="Google Shape;34;p6"/>
+          <p:cNvPr id="1867037816" name="Google Shape;34;p6"/>
           <p:cNvSpPr txBox="1">
             <a:spLocks noGrp="1"/>
           </p:cNvSpPr>
@@ -12851,7 +12851,7 @@
       </p:sp>
       <p:sp>
         <p:nvSpPr>
-          <p:cNvPr id="628551989" name="Google Shape;35;p6"/>
+          <p:cNvPr id="324311701" name="Google Shape;35;p6"/>
           <p:cNvSpPr txBox="1">
             <a:spLocks noGrp="1"/>
           </p:cNvSpPr>
@@ -12903,7 +12903,7 @@
       </p:sp>
       <p:sp>
         <p:nvSpPr>
-          <p:cNvPr id="1470246210" name="Текстовое поле 1"/>
+          <p:cNvPr id="654286424" name="Текстовое поле 1"/>
           <p:cNvSpPr txBox="1"/>
           <p:nvPr/>
         </p:nvSpPr>
@@ -12965,14 +12965,14 @@
       </p:sp>
       <p:sp>
         <p:nvSpPr>
-          <p:cNvPr id="1603442221" name="TextBox 3"/>
+          <p:cNvPr id="574692629" name="TextBox 3"/>
           <p:cNvSpPr txBox="1"/>
           <p:nvPr/>
         </p:nvSpPr>
         <p:spPr bwMode="auto">
           <a:xfrm>
-            <a:off x="260813" y="782442"/>
-            <a:ext cx="8644656" cy="823320"/>
+            <a:off x="260812" y="782442"/>
+            <a:ext cx="8645375" cy="823320"/>
           </a:xfrm>
           <a:prstGeom prst="rect">
             <a:avLst/>
@@ -13007,7 +13007,15 @@
             </a:r>
             <a:r>
               <a:rPr lang="ru-RU" sz="1600" b="1" i="1"/>
-              <a:t>1850</a:t>
+              <a:t>18</a:t>
+            </a:r>
+            <a:r>
+              <a:rPr lang="en-US" sz="1600" b="1" i="1"/>
+              <a:t>2</a:t>
+            </a:r>
+            <a:r>
+              <a:rPr lang="ru-RU" sz="1600" b="1" i="1"/>
+              <a:t>0</a:t>
             </a:r>
             <a:r>
               <a:rPr lang="ru-RU" sz="1600"/>
@@ -13043,7 +13051,7 @@
       </p:sp>
       <p:pic>
         <p:nvPicPr>
-          <p:cNvPr id="1295781950" name=""/>
+          <p:cNvPr id="1730820256" name=""/>
           <p:cNvPicPr>
             <a:picLocks noChangeAspect="1"/>
           </p:cNvPicPr>
@@ -13102,7 +13110,7 @@
       </p:grpSpPr>
       <p:sp>
         <p:nvSpPr>
-          <p:cNvPr id="1155855084" name="Google Shape;34;p6"/>
+          <p:cNvPr id="791881921" name="Google Shape;34;p6"/>
           <p:cNvSpPr txBox="1">
             <a:spLocks noGrp="1"/>
           </p:cNvSpPr>
@@ -13151,7 +13159,7 @@
       </p:sp>
       <p:sp>
         <p:nvSpPr>
-          <p:cNvPr id="1634079639" name="Google Shape;35;p6"/>
+          <p:cNvPr id="1342592340" name="Google Shape;35;p6"/>
           <p:cNvSpPr txBox="1">
             <a:spLocks noGrp="1"/>
           </p:cNvSpPr>
@@ -13203,7 +13211,7 @@
       </p:sp>
       <p:sp>
         <p:nvSpPr>
-          <p:cNvPr id="1521953503" name="Google Shape;36;p6"/>
+          <p:cNvPr id="1470133719" name="Google Shape;36;p6"/>
           <p:cNvSpPr txBox="1">
             <a:spLocks noGrp="1"/>
           </p:cNvSpPr>
@@ -13428,7 +13436,7 @@
       </p:grpSpPr>
       <p:sp>
         <p:nvSpPr>
-          <p:cNvPr id="1608395516" name="Google Shape;35;p6"/>
+          <p:cNvPr id="1279529288" name="Google Shape;35;p6"/>
           <p:cNvSpPr txBox="1">
             <a:spLocks noGrp="1"/>
           </p:cNvSpPr>
@@ -13480,7 +13488,7 @@
       </p:sp>
       <p:sp>
         <p:nvSpPr>
-          <p:cNvPr id="1835175328" name="Google Shape;36;p6"/>
+          <p:cNvPr id="1975086448" name="Google Shape;36;p6"/>
           <p:cNvSpPr txBox="1">
             <a:spLocks noGrp="1"/>
           </p:cNvSpPr>
@@ -13533,7 +13541,7 @@
       </p:sp>
       <p:graphicFrame>
         <p:nvGraphicFramePr>
-          <p:cNvPr id="687751514" name="Таблица 2"/>
+          <p:cNvPr id="320436745" name="Таблица 2"/>
           <p:cNvGraphicFramePr>
             <a:graphicFrameLocks xmlns:a="http://schemas.openxmlformats.org/drawingml/2006/main" noGrp="1"/>
           </p:cNvGraphicFramePr>
@@ -16907,7 +16915,7 @@
       </p:grpSpPr>
       <p:sp>
         <p:nvSpPr>
-          <p:cNvPr id="2005060070" name="Google Shape;34;p6"/>
+          <p:cNvPr id="643449506" name="Google Shape;34;p6"/>
           <p:cNvSpPr txBox="1">
             <a:spLocks noGrp="1"/>
           </p:cNvSpPr>
@@ -16950,7 +16958,7 @@
       </p:sp>
       <p:sp>
         <p:nvSpPr>
-          <p:cNvPr id="1002973890" name="Google Shape;35;p6"/>
+          <p:cNvPr id="1125650771" name="Google Shape;35;p6"/>
           <p:cNvSpPr txBox="1">
             <a:spLocks noGrp="1"/>
           </p:cNvSpPr>
@@ -17002,7 +17010,7 @@
       </p:sp>
       <p:sp>
         <p:nvSpPr>
-          <p:cNvPr id="413585045" name="Google Shape;36;p6"/>
+          <p:cNvPr id="379715265" name="Google Shape;36;p6"/>
           <p:cNvSpPr txBox="1">
             <a:spLocks noGrp="1"/>
           </p:cNvSpPr>
@@ -17363,7 +17371,7 @@
       </p:grpSpPr>
       <p:sp>
         <p:nvSpPr>
-          <p:cNvPr id="1445467223" name="Google Shape;34;p6"/>
+          <p:cNvPr id="57532286" name="Google Shape;34;p6"/>
           <p:cNvSpPr txBox="1">
             <a:spLocks noGrp="1"/>
           </p:cNvSpPr>
@@ -17406,7 +17414,7 @@
       </p:sp>
       <p:sp>
         <p:nvSpPr>
-          <p:cNvPr id="491455495" name="Google Shape;35;p6"/>
+          <p:cNvPr id="1773505043" name="Google Shape;35;p6"/>
           <p:cNvSpPr txBox="1">
             <a:spLocks noGrp="1"/>
           </p:cNvSpPr>
@@ -17458,7 +17466,7 @@
       </p:sp>
       <p:pic>
         <p:nvPicPr>
-          <p:cNvPr id="1605035777" name="Рисунок 1" descr="Изображение выглядит как текст, Шрифт, снимок экрана, линия&#10;&#10;Содержимое, созданное искусственным интеллектом, может быть неверным."/>
+          <p:cNvPr id="315932911" name="Рисунок 1" descr="Изображение выглядит как текст, Шрифт, снимок экрана, линия&#10;&#10;Содержимое, созданное искусственным интеллектом, может быть неверным."/>
           <p:cNvPicPr>
             <a:picLocks noChangeAspect="1"/>
           </p:cNvPicPr>
@@ -17480,7 +17488,7 @@
       </p:pic>
       <p:pic>
         <p:nvPicPr>
-          <p:cNvPr id="108352510" name="Рисунок 4"/>
+          <p:cNvPr id="973985712" name="Рисунок 4"/>
           <p:cNvPicPr>
             <a:picLocks noChangeAspect="1"/>
           </p:cNvPicPr>
@@ -17502,7 +17510,7 @@
       </p:pic>
       <p:sp>
         <p:nvSpPr>
-          <p:cNvPr id="1240183452" name=""/>
+          <p:cNvPr id="113349872" name=""/>
           <p:cNvSpPr txBox="1"/>
           <p:nvPr/>
         </p:nvSpPr>
@@ -17547,7 +17555,7 @@
       </p:sp>
       <p:pic>
         <p:nvPicPr>
-          <p:cNvPr id="1062377652" name=""/>
+          <p:cNvPr id="1229513182" name=""/>
           <p:cNvPicPr>
             <a:picLocks noChangeAspect="1"/>
           </p:cNvPicPr>
